--- a/frequencies.pptx
+++ b/frequencies.pptx
@@ -5,14 +5,16 @@
     <p:sldMasterId id="2147483708" r:id="rId1"/>
   </p:sldMasterIdLst>
   <p:notesMasterIdLst>
-    <p:notesMasterId r:id="rId7"/>
+    <p:notesMasterId r:id="rId9"/>
   </p:notesMasterIdLst>
   <p:sldIdLst>
     <p:sldId id="258" r:id="rId2"/>
     <p:sldId id="259" r:id="rId3"/>
-    <p:sldId id="262" r:id="rId4"/>
-    <p:sldId id="260" r:id="rId5"/>
-    <p:sldId id="261" r:id="rId6"/>
+    <p:sldId id="260" r:id="rId4"/>
+    <p:sldId id="262" r:id="rId5"/>
+    <p:sldId id="263" r:id="rId6"/>
+    <p:sldId id="261" r:id="rId7"/>
+    <p:sldId id="264" r:id="rId8"/>
   </p:sldIdLst>
   <p:sldSz cx="12192000" cy="6858000"/>
   <p:notesSz cx="6858000" cy="9144000"/>
@@ -219,7 +221,7 @@
           <a:p>
             <a:fld id="{AB81B2D2-06A2-4596-9391-656CA05E965F}" type="datetimeFigureOut">
               <a:rPr lang="et-EE" smtClean="0"/>
-              <a:t>08.05.2025</a:t>
+              <a:t>09.05.2025</a:t>
             </a:fld>
             <a:endParaRPr lang="et-EE"/>
           </a:p>
@@ -633,7 +635,7 @@
           <a:p>
             <a:fld id="{0E412FDE-1CFE-48F6-820F-9C443C301228}" type="datetime1">
               <a:rPr lang="et-EE" smtClean="0"/>
-              <a:t>08.05.2025</a:t>
+              <a:t>09.05.2025</a:t>
             </a:fld>
             <a:endParaRPr lang="et-EE" dirty="0"/>
           </a:p>
@@ -817,7 +819,7 @@
           <a:p>
             <a:fld id="{B64C0CFC-214E-42F4-8B82-CC6D451BD70F}" type="datetime1">
               <a:rPr lang="et-EE" smtClean="0"/>
-              <a:t>08.05.2025</a:t>
+              <a:t>09.05.2025</a:t>
             </a:fld>
             <a:endParaRPr lang="et-EE"/>
           </a:p>
@@ -1000,7 +1002,7 @@
           <a:p>
             <a:fld id="{5AB58BF1-41C1-47B8-ACAE-F9884B88C63A}" type="datetime1">
               <a:rPr lang="et-EE" smtClean="0"/>
-              <a:t>08.05.2025</a:t>
+              <a:t>09.05.2025</a:t>
             </a:fld>
             <a:endParaRPr lang="et-EE"/>
           </a:p>
@@ -1262,7 +1264,7 @@
           <a:p>
             <a:fld id="{E1CF8E31-244F-4A6A-A7D5-704B96C48AAE}" type="datetime1">
               <a:rPr lang="et-EE" smtClean="0"/>
-              <a:t>08.05.2025</a:t>
+              <a:t>09.05.2025</a:t>
             </a:fld>
             <a:endParaRPr lang="et-EE" dirty="0"/>
           </a:p>
@@ -1974,7 +1976,7 @@
           <a:p>
             <a:fld id="{CF92296B-3A94-4787-AA7D-8DC0AEE88FD4}" type="datetime1">
               <a:rPr lang="et-EE" smtClean="0"/>
-              <a:t>08.05.2025</a:t>
+              <a:t>09.05.2025</a:t>
             </a:fld>
             <a:endParaRPr lang="et-EE"/>
           </a:p>
@@ -2344,7 +2346,7 @@
           <a:p>
             <a:fld id="{185751C1-87AF-4EAC-9696-BB82432B7753}" type="datetime1">
               <a:rPr lang="et-EE" smtClean="0"/>
-              <a:t>08.05.2025</a:t>
+              <a:t>09.05.2025</a:t>
             </a:fld>
             <a:endParaRPr lang="et-EE"/>
           </a:p>
@@ -2442,7 +2444,7 @@
           <a:p>
             <a:fld id="{E493E3B0-4572-4FE0-8E55-6746BFAADA96}" type="datetime1">
               <a:rPr lang="et-EE" smtClean="0"/>
-              <a:t>08.05.2025</a:t>
+              <a:t>09.05.2025</a:t>
             </a:fld>
             <a:endParaRPr lang="et-EE"/>
           </a:p>
@@ -2587,7 +2589,7 @@
           <a:p>
             <a:fld id="{EE4C4D14-98D7-455C-9D0D-2863E0C0AA0D}" type="datetime1">
               <a:rPr lang="et-EE" smtClean="0"/>
-              <a:t>08.05.2025</a:t>
+              <a:t>09.05.2025</a:t>
             </a:fld>
             <a:endParaRPr lang="et-EE"/>
           </a:p>
@@ -2867,7 +2869,7 @@
           <a:p>
             <a:fld id="{94997DBE-8AE5-4A6F-9E25-F62C693D8ED5}" type="datetime1">
               <a:rPr lang="et-EE" smtClean="0"/>
-              <a:t>08.05.2025</a:t>
+              <a:t>09.05.2025</a:t>
             </a:fld>
             <a:endParaRPr lang="et-EE"/>
           </a:p>
@@ -3127,7 +3129,7 @@
           <a:p>
             <a:fld id="{DA3B51F9-97BE-4EFF-9934-D6DB8E40FF5E}" type="datetime1">
               <a:rPr lang="et-EE" smtClean="0"/>
-              <a:t>08.05.2025</a:t>
+              <a:t>09.05.2025</a:t>
             </a:fld>
             <a:endParaRPr lang="et-EE"/>
           </a:p>
@@ -3344,7 +3346,7 @@
           <a:p>
             <a:fld id="{E7C7EEDD-722C-4F14-9239-A37AD281B51F}" type="datetime1">
               <a:rPr lang="et-EE" smtClean="0"/>
-              <a:t>08.05.2025</a:t>
+              <a:t>09.05.2025</a:t>
             </a:fld>
             <a:endParaRPr lang="et-EE" dirty="0"/>
           </a:p>
@@ -3941,6 +3943,120 @@
           </a:xfrm>
         </p:spPr>
       </p:pic>
+      <p:sp>
+        <p:nvSpPr>
+          <p:cNvPr id="3" name="TextBox 2">
+            <a:extLst>
+              <a:ext uri="{FF2B5EF4-FFF2-40B4-BE49-F238E27FC236}">
+                <a16:creationId xmlns:a16="http://schemas.microsoft.com/office/drawing/2014/main" id="{2CE9068D-D9CE-4CB7-81E6-DB6256C07FAD}"/>
+              </a:ext>
+            </a:extLst>
+          </p:cNvPr>
+          <p:cNvSpPr txBox="1"/>
+          <p:nvPr/>
+        </p:nvSpPr>
+        <p:spPr>
+          <a:xfrm>
+            <a:off x="8820150" y="476250"/>
+            <a:ext cx="3271837" cy="1384995"/>
+          </a:xfrm>
+          <a:prstGeom prst="rect">
+            <a:avLst/>
+          </a:prstGeom>
+          <a:noFill/>
+        </p:spPr>
+        <p:txBody>
+          <a:bodyPr wrap="square" rtlCol="0">
+            <a:spAutoFit/>
+          </a:bodyPr>
+          <a:lstStyle/>
+          <a:p>
+            <a:pPr algn="l"/>
+            <a:r>
+              <a:rPr lang="en-US" sz="1400" dirty="0">
+                <a:solidFill>
+                  <a:srgbClr val="667982"/>
+                </a:solidFill>
+                <a:latin typeface="Arial" panose="020B0604020202020204" pitchFamily="34" charset="0"/>
+                <a:cs typeface="Arial" panose="020B0604020202020204" pitchFamily="34" charset="0"/>
+              </a:rPr>
+              <a:t>USO – Ultra Stable Oscillator</a:t>
+            </a:r>
+          </a:p>
+          <a:p>
+            <a:pPr algn="l"/>
+            <a:r>
+              <a:rPr lang="en-US" sz="1400" dirty="0">
+                <a:solidFill>
+                  <a:srgbClr val="667982"/>
+                </a:solidFill>
+                <a:latin typeface="Arial" panose="020B0604020202020204" pitchFamily="34" charset="0"/>
+                <a:cs typeface="Arial" panose="020B0604020202020204" pitchFamily="34" charset="0"/>
+              </a:rPr>
+              <a:t>PM CLK – Phasemeter system clock</a:t>
+            </a:r>
+          </a:p>
+          <a:p>
+            <a:pPr algn="l"/>
+            <a:r>
+              <a:rPr lang="en-US" sz="1400" dirty="0">
+                <a:solidFill>
+                  <a:srgbClr val="667982"/>
+                </a:solidFill>
+                <a:latin typeface="Arial" panose="020B0604020202020204" pitchFamily="34" charset="0"/>
+                <a:cs typeface="Arial" panose="020B0604020202020204" pitchFamily="34" charset="0"/>
+              </a:rPr>
+              <a:t>USB – Upper Sideband</a:t>
+            </a:r>
+          </a:p>
+          <a:p>
+            <a:pPr algn="l"/>
+            <a:r>
+              <a:rPr lang="en-US" sz="1400" dirty="0">
+                <a:solidFill>
+                  <a:srgbClr val="667982"/>
+                </a:solidFill>
+                <a:latin typeface="Arial" panose="020B0604020202020204" pitchFamily="34" charset="0"/>
+                <a:cs typeface="Arial" panose="020B0604020202020204" pitchFamily="34" charset="0"/>
+              </a:rPr>
+              <a:t>LSB – Lower Sideband</a:t>
+            </a:r>
+          </a:p>
+          <a:p>
+            <a:pPr algn="l"/>
+            <a:r>
+              <a:rPr lang="en-US" sz="1400" dirty="0">
+                <a:solidFill>
+                  <a:srgbClr val="667982"/>
+                </a:solidFill>
+                <a:latin typeface="Arial" panose="020B0604020202020204" pitchFamily="34" charset="0"/>
+                <a:cs typeface="Arial" panose="020B0604020202020204" pitchFamily="34" charset="0"/>
+              </a:rPr>
+              <a:t>PT – Pilot Tone</a:t>
+            </a:r>
+          </a:p>
+          <a:p>
+            <a:pPr algn="l"/>
+            <a:r>
+              <a:rPr lang="en-US" sz="1400" dirty="0">
+                <a:solidFill>
+                  <a:srgbClr val="667982"/>
+                </a:solidFill>
+                <a:latin typeface="Arial" panose="020B0604020202020204" pitchFamily="34" charset="0"/>
+                <a:cs typeface="Arial" panose="020B0604020202020204" pitchFamily="34" charset="0"/>
+              </a:rPr>
+              <a:t>LA – Laser Assembly</a:t>
+            </a:r>
+            <a:endParaRPr lang="LID4096" sz="1400" dirty="0">
+              <a:solidFill>
+                <a:srgbClr val="667982"/>
+              </a:solidFill>
+              <a:latin typeface="Arial" panose="020B0604020202020204" pitchFamily="34" charset="0"/>
+              <a:cs typeface="Arial" panose="020B0604020202020204" pitchFamily="34" charset="0"/>
+            </a:endParaRPr>
+          </a:p>
+        </p:txBody>
+      </p:sp>
     </p:spTree>
     <p:extLst>
       <p:ext uri="{BB962C8B-B14F-4D97-AF65-F5344CB8AC3E}">
@@ -4158,6 +4274,120 @@
           </a:xfrm>
         </p:spPr>
       </p:pic>
+      <p:sp>
+        <p:nvSpPr>
+          <p:cNvPr id="7" name="TextBox 6">
+            <a:extLst>
+              <a:ext uri="{FF2B5EF4-FFF2-40B4-BE49-F238E27FC236}">
+                <a16:creationId xmlns:a16="http://schemas.microsoft.com/office/drawing/2014/main" id="{1586812F-0514-4827-9743-FC94CB5C0169}"/>
+              </a:ext>
+            </a:extLst>
+          </p:cNvPr>
+          <p:cNvSpPr txBox="1"/>
+          <p:nvPr/>
+        </p:nvSpPr>
+        <p:spPr>
+          <a:xfrm>
+            <a:off x="8820150" y="476250"/>
+            <a:ext cx="3271837" cy="1384995"/>
+          </a:xfrm>
+          <a:prstGeom prst="rect">
+            <a:avLst/>
+          </a:prstGeom>
+          <a:noFill/>
+        </p:spPr>
+        <p:txBody>
+          <a:bodyPr wrap="square" rtlCol="0">
+            <a:spAutoFit/>
+          </a:bodyPr>
+          <a:lstStyle/>
+          <a:p>
+            <a:pPr algn="l"/>
+            <a:r>
+              <a:rPr lang="en-US" sz="1400" dirty="0">
+                <a:solidFill>
+                  <a:srgbClr val="667982"/>
+                </a:solidFill>
+                <a:latin typeface="Arial" panose="020B0604020202020204" pitchFamily="34" charset="0"/>
+                <a:cs typeface="Arial" panose="020B0604020202020204" pitchFamily="34" charset="0"/>
+              </a:rPr>
+              <a:t>USO – Ultra Stable Oscillator</a:t>
+            </a:r>
+          </a:p>
+          <a:p>
+            <a:pPr algn="l"/>
+            <a:r>
+              <a:rPr lang="en-US" sz="1400" dirty="0">
+                <a:solidFill>
+                  <a:srgbClr val="667982"/>
+                </a:solidFill>
+                <a:latin typeface="Arial" panose="020B0604020202020204" pitchFamily="34" charset="0"/>
+                <a:cs typeface="Arial" panose="020B0604020202020204" pitchFamily="34" charset="0"/>
+              </a:rPr>
+              <a:t>PM CLK – Phasemeter system clock</a:t>
+            </a:r>
+          </a:p>
+          <a:p>
+            <a:pPr algn="l"/>
+            <a:r>
+              <a:rPr lang="en-US" sz="1400" dirty="0">
+                <a:solidFill>
+                  <a:srgbClr val="667982"/>
+                </a:solidFill>
+                <a:latin typeface="Arial" panose="020B0604020202020204" pitchFamily="34" charset="0"/>
+                <a:cs typeface="Arial" panose="020B0604020202020204" pitchFamily="34" charset="0"/>
+              </a:rPr>
+              <a:t>USB – Upper Sideband</a:t>
+            </a:r>
+          </a:p>
+          <a:p>
+            <a:pPr algn="l"/>
+            <a:r>
+              <a:rPr lang="en-US" sz="1400" dirty="0">
+                <a:solidFill>
+                  <a:srgbClr val="667982"/>
+                </a:solidFill>
+                <a:latin typeface="Arial" panose="020B0604020202020204" pitchFamily="34" charset="0"/>
+                <a:cs typeface="Arial" panose="020B0604020202020204" pitchFamily="34" charset="0"/>
+              </a:rPr>
+              <a:t>LSB – Lower Sideband</a:t>
+            </a:r>
+          </a:p>
+          <a:p>
+            <a:pPr algn="l"/>
+            <a:r>
+              <a:rPr lang="en-US" sz="1400" dirty="0">
+                <a:solidFill>
+                  <a:srgbClr val="667982"/>
+                </a:solidFill>
+                <a:latin typeface="Arial" panose="020B0604020202020204" pitchFamily="34" charset="0"/>
+                <a:cs typeface="Arial" panose="020B0604020202020204" pitchFamily="34" charset="0"/>
+              </a:rPr>
+              <a:t>PT – Pilot Tone</a:t>
+            </a:r>
+          </a:p>
+          <a:p>
+            <a:pPr algn="l"/>
+            <a:r>
+              <a:rPr lang="en-US" sz="1400" dirty="0">
+                <a:solidFill>
+                  <a:srgbClr val="667982"/>
+                </a:solidFill>
+                <a:latin typeface="Arial" panose="020B0604020202020204" pitchFamily="34" charset="0"/>
+                <a:cs typeface="Arial" panose="020B0604020202020204" pitchFamily="34" charset="0"/>
+              </a:rPr>
+              <a:t>LA – Laser Assembly</a:t>
+            </a:r>
+            <a:endParaRPr lang="LID4096" sz="1400" dirty="0">
+              <a:solidFill>
+                <a:srgbClr val="667982"/>
+              </a:solidFill>
+              <a:latin typeface="Arial" panose="020B0604020202020204" pitchFamily="34" charset="0"/>
+              <a:cs typeface="Arial" panose="020B0604020202020204" pitchFamily="34" charset="0"/>
+            </a:endParaRPr>
+          </a:p>
+        </p:txBody>
+      </p:sp>
     </p:spTree>
     <p:extLst>
       <p:ext uri="{BB962C8B-B14F-4D97-AF65-F5344CB8AC3E}">
@@ -4172,223 +4402,6 @@
 </file>
 
 <file path=ppt/slides/slide3.xml><?xml version="1.0" encoding="utf-8"?>
-<p:sld xmlns:a="http://schemas.openxmlformats.org/drawingml/2006/main" xmlns:r="http://schemas.openxmlformats.org/officeDocument/2006/relationships" xmlns:p="http://schemas.openxmlformats.org/presentationml/2006/main">
-  <p:cSld>
-    <p:spTree>
-      <p:nvGrpSpPr>
-        <p:cNvPr id="1" name="">
-          <a:extLst>
-            <a:ext uri="{FF2B5EF4-FFF2-40B4-BE49-F238E27FC236}">
-              <a16:creationId xmlns:a16="http://schemas.microsoft.com/office/drawing/2014/main" id="{295051E6-10E8-9422-6D3A-5B2CD75303C0}"/>
-            </a:ext>
-          </a:extLst>
-        </p:cNvPr>
-        <p:cNvGrpSpPr/>
-        <p:nvPr/>
-      </p:nvGrpSpPr>
-      <p:grpSpPr>
-        <a:xfrm>
-          <a:off x="0" y="0"/>
-          <a:ext cx="0" cy="0"/>
-          <a:chOff x="0" y="0"/>
-          <a:chExt cx="0" cy="0"/>
-        </a:xfrm>
-      </p:grpSpPr>
-      <p:sp>
-        <p:nvSpPr>
-          <p:cNvPr id="2" name="Title 1">
-            <a:extLst>
-              <a:ext uri="{FF2B5EF4-FFF2-40B4-BE49-F238E27FC236}">
-                <a16:creationId xmlns:a16="http://schemas.microsoft.com/office/drawing/2014/main" id="{DFBC3954-E022-A584-0DBD-5710B5779E62}"/>
-              </a:ext>
-            </a:extLst>
-          </p:cNvPr>
-          <p:cNvSpPr>
-            <a:spLocks noGrp="1"/>
-          </p:cNvSpPr>
-          <p:nvPr>
-            <p:ph type="title"/>
-          </p:nvPr>
-        </p:nvSpPr>
-        <p:spPr/>
-        <p:txBody>
-          <a:bodyPr/>
-          <a:lstStyle/>
-          <a:p>
-            <a:r>
-              <a:rPr lang="en-US" dirty="0"/>
-              <a:t>Signal Sampling</a:t>
-            </a:r>
-            <a:endParaRPr lang="et-EE" dirty="0"/>
-          </a:p>
-        </p:txBody>
-      </p:sp>
-      <p:sp>
-        <p:nvSpPr>
-          <p:cNvPr id="4" name="Slide Number Placeholder 3">
-            <a:extLst>
-              <a:ext uri="{FF2B5EF4-FFF2-40B4-BE49-F238E27FC236}">
-                <a16:creationId xmlns:a16="http://schemas.microsoft.com/office/drawing/2014/main" id="{A775BA1F-B9E9-54A0-B801-F82E14C86EAB}"/>
-              </a:ext>
-            </a:extLst>
-          </p:cNvPr>
-          <p:cNvSpPr>
-            <a:spLocks noGrp="1"/>
-          </p:cNvSpPr>
-          <p:nvPr>
-            <p:ph type="sldNum" sz="quarter" idx="12"/>
-          </p:nvPr>
-        </p:nvSpPr>
-        <p:spPr/>
-        <p:txBody>
-          <a:bodyPr/>
-          <a:lstStyle/>
-          <a:p>
-            <a:fld id="{9F39E346-B1F3-4075-BD67-234EF0F10AC6}" type="slidenum">
-              <a:rPr lang="et-EE" smtClean="0">
-                <a:solidFill>
-                  <a:srgbClr val="A8B7BF"/>
-                </a:solidFill>
-                <a:latin typeface="Arial" panose="020B0604020202020204" pitchFamily="34" charset="0"/>
-                <a:cs typeface="Arial" panose="020B0604020202020204" pitchFamily="34" charset="0"/>
-              </a:rPr>
-              <a:pPr/>
-              <a:t>3</a:t>
-            </a:fld>
-            <a:endParaRPr lang="et-EE" dirty="0">
-              <a:solidFill>
-                <a:srgbClr val="A8B7BF"/>
-              </a:solidFill>
-              <a:latin typeface="Arial" panose="020B0604020202020204" pitchFamily="34" charset="0"/>
-              <a:cs typeface="Arial" panose="020B0604020202020204" pitchFamily="34" charset="0"/>
-            </a:endParaRPr>
-          </a:p>
-        </p:txBody>
-      </p:sp>
-      <p:sp>
-        <p:nvSpPr>
-          <p:cNvPr id="5" name="Date Placeholder 4">
-            <a:extLst>
-              <a:ext uri="{FF2B5EF4-FFF2-40B4-BE49-F238E27FC236}">
-                <a16:creationId xmlns:a16="http://schemas.microsoft.com/office/drawing/2014/main" id="{FC11AC1E-22B3-C098-E60C-96E209AE4FC0}"/>
-              </a:ext>
-            </a:extLst>
-          </p:cNvPr>
-          <p:cNvSpPr>
-            <a:spLocks noGrp="1"/>
-          </p:cNvSpPr>
-          <p:nvPr>
-            <p:ph type="dt" sz="half" idx="10"/>
-          </p:nvPr>
-        </p:nvSpPr>
-        <p:spPr/>
-        <p:txBody>
-          <a:bodyPr/>
-          <a:lstStyle/>
-          <a:p>
-            <a:fld id="{32EEE099-2A99-443B-9970-120A01131372}" type="datetime1">
-              <a:rPr lang="et-EE" smtClean="0">
-                <a:solidFill>
-                  <a:srgbClr val="A8B7BF"/>
-                </a:solidFill>
-                <a:latin typeface="Arial" panose="020B0604020202020204" pitchFamily="34" charset="0"/>
-                <a:cs typeface="Arial" panose="020B0604020202020204" pitchFamily="34" charset="0"/>
-              </a:rPr>
-              <a:t>09.05.2025</a:t>
-            </a:fld>
-            <a:endParaRPr lang="et-EE" dirty="0">
-              <a:solidFill>
-                <a:srgbClr val="A8B7BF"/>
-              </a:solidFill>
-              <a:latin typeface="Arial" panose="020B0604020202020204" pitchFamily="34" charset="0"/>
-              <a:cs typeface="Arial" panose="020B0604020202020204" pitchFamily="34" charset="0"/>
-            </a:endParaRPr>
-          </a:p>
-        </p:txBody>
-      </p:sp>
-      <p:sp>
-        <p:nvSpPr>
-          <p:cNvPr id="6" name="Footer Placeholder 5">
-            <a:extLst>
-              <a:ext uri="{FF2B5EF4-FFF2-40B4-BE49-F238E27FC236}">
-                <a16:creationId xmlns:a16="http://schemas.microsoft.com/office/drawing/2014/main" id="{9558E68E-7B7B-D8F3-62B1-6AAB47D73956}"/>
-              </a:ext>
-            </a:extLst>
-          </p:cNvPr>
-          <p:cNvSpPr>
-            <a:spLocks noGrp="1"/>
-          </p:cNvSpPr>
-          <p:nvPr>
-            <p:ph type="ftr" sz="quarter" idx="11"/>
-          </p:nvPr>
-        </p:nvSpPr>
-        <p:spPr/>
-        <p:txBody>
-          <a:bodyPr/>
-          <a:lstStyle/>
-          <a:p>
-            <a:r>
-              <a:rPr lang="et-EE" dirty="0" err="1">
-                <a:solidFill>
-                  <a:srgbClr val="A8B7BF"/>
-                </a:solidFill>
-                <a:latin typeface="Arial" panose="020B0604020202020204" pitchFamily="34" charset="0"/>
-                <a:cs typeface="Arial" panose="020B0604020202020204" pitchFamily="34" charset="0"/>
-              </a:rPr>
-              <a:t>Weekly</a:t>
-            </a:r>
-            <a:endParaRPr lang="et-EE" dirty="0">
-              <a:solidFill>
-                <a:srgbClr val="A8B7BF"/>
-              </a:solidFill>
-              <a:latin typeface="Arial" panose="020B0604020202020204" pitchFamily="34" charset="0"/>
-              <a:cs typeface="Arial" panose="020B0604020202020204" pitchFamily="34" charset="0"/>
-            </a:endParaRPr>
-          </a:p>
-        </p:txBody>
-      </p:sp>
-      <p:pic>
-        <p:nvPicPr>
-          <p:cNvPr id="14" name="Content Placeholder 13">
-            <a:extLst>
-              <a:ext uri="{FF2B5EF4-FFF2-40B4-BE49-F238E27FC236}">
-                <a16:creationId xmlns:a16="http://schemas.microsoft.com/office/drawing/2014/main" id="{B066F113-FDDF-73C8-5549-B662E3F7581B}"/>
-              </a:ext>
-            </a:extLst>
-          </p:cNvPr>
-          <p:cNvPicPr>
-            <a:picLocks noGrp="1" noChangeAspect="1"/>
-          </p:cNvPicPr>
-          <p:nvPr>
-            <p:ph idx="1"/>
-          </p:nvPr>
-        </p:nvPicPr>
-        <p:blipFill>
-          <a:blip r:embed="rId2"/>
-          <a:srcRect/>
-          <a:stretch/>
-        </p:blipFill>
-        <p:spPr>
-          <a:xfrm>
-            <a:off x="-530080" y="685800"/>
-            <a:ext cx="15114759" cy="6488307"/>
-          </a:xfrm>
-        </p:spPr>
-      </p:pic>
-    </p:spTree>
-    <p:extLst>
-      <p:ext uri="{BB962C8B-B14F-4D97-AF65-F5344CB8AC3E}">
-        <p14:creationId xmlns:p14="http://schemas.microsoft.com/office/powerpoint/2010/main" val="250462015"/>
-      </p:ext>
-    </p:extLst>
-  </p:cSld>
-  <p:clrMapOvr>
-    <a:masterClrMapping/>
-  </p:clrMapOvr>
-</p:sld>
-</file>
-
-<file path=ppt/slides/slide4.xml><?xml version="1.0" encoding="utf-8"?>
 <p:sld xmlns:a="http://schemas.openxmlformats.org/drawingml/2006/main" xmlns:r="http://schemas.openxmlformats.org/officeDocument/2006/relationships" xmlns:p="http://schemas.openxmlformats.org/presentationml/2006/main">
   <p:cSld>
     <p:spTree>
@@ -4470,7 +4483,7 @@
                 <a:cs typeface="Arial" panose="020B0604020202020204" pitchFamily="34" charset="0"/>
               </a:rPr>
               <a:pPr/>
-              <a:t>4</a:t>
+              <a:t>3</a:t>
             </a:fld>
             <a:endParaRPr lang="et-EE" dirty="0">
               <a:solidFill>
@@ -4605,7 +4618,962 @@
 </p:sld>
 </file>
 
+<file path=ppt/slides/slide4.xml><?xml version="1.0" encoding="utf-8"?>
+<p:sld xmlns:a="http://schemas.openxmlformats.org/drawingml/2006/main" xmlns:r="http://schemas.openxmlformats.org/officeDocument/2006/relationships" xmlns:p="http://schemas.openxmlformats.org/presentationml/2006/main">
+  <p:cSld>
+    <p:spTree>
+      <p:nvGrpSpPr>
+        <p:cNvPr id="1" name="">
+          <a:extLst>
+            <a:ext uri="{FF2B5EF4-FFF2-40B4-BE49-F238E27FC236}">
+              <a16:creationId xmlns:a16="http://schemas.microsoft.com/office/drawing/2014/main" id="{295051E6-10E8-9422-6D3A-5B2CD75303C0}"/>
+            </a:ext>
+          </a:extLst>
+        </p:cNvPr>
+        <p:cNvGrpSpPr/>
+        <p:nvPr/>
+      </p:nvGrpSpPr>
+      <p:grpSpPr>
+        <a:xfrm>
+          <a:off x="0" y="0"/>
+          <a:ext cx="0" cy="0"/>
+          <a:chOff x="0" y="0"/>
+          <a:chExt cx="0" cy="0"/>
+        </a:xfrm>
+      </p:grpSpPr>
+      <p:sp>
+        <p:nvSpPr>
+          <p:cNvPr id="2" name="Title 1">
+            <a:extLst>
+              <a:ext uri="{FF2B5EF4-FFF2-40B4-BE49-F238E27FC236}">
+                <a16:creationId xmlns:a16="http://schemas.microsoft.com/office/drawing/2014/main" id="{DFBC3954-E022-A584-0DBD-5710B5779E62}"/>
+              </a:ext>
+            </a:extLst>
+          </p:cNvPr>
+          <p:cNvSpPr>
+            <a:spLocks noGrp="1"/>
+          </p:cNvSpPr>
+          <p:nvPr>
+            <p:ph type="title"/>
+          </p:nvPr>
+        </p:nvSpPr>
+        <p:spPr/>
+        <p:txBody>
+          <a:bodyPr/>
+          <a:lstStyle/>
+          <a:p>
+            <a:r>
+              <a:rPr lang="en-US" dirty="0"/>
+              <a:t>Signal Sampling</a:t>
+            </a:r>
+            <a:endParaRPr lang="et-EE" dirty="0"/>
+          </a:p>
+        </p:txBody>
+      </p:sp>
+      <p:sp>
+        <p:nvSpPr>
+          <p:cNvPr id="4" name="Slide Number Placeholder 3">
+            <a:extLst>
+              <a:ext uri="{FF2B5EF4-FFF2-40B4-BE49-F238E27FC236}">
+                <a16:creationId xmlns:a16="http://schemas.microsoft.com/office/drawing/2014/main" id="{A775BA1F-B9E9-54A0-B801-F82E14C86EAB}"/>
+              </a:ext>
+            </a:extLst>
+          </p:cNvPr>
+          <p:cNvSpPr>
+            <a:spLocks noGrp="1"/>
+          </p:cNvSpPr>
+          <p:nvPr>
+            <p:ph type="sldNum" sz="quarter" idx="12"/>
+          </p:nvPr>
+        </p:nvSpPr>
+        <p:spPr/>
+        <p:txBody>
+          <a:bodyPr/>
+          <a:lstStyle/>
+          <a:p>
+            <a:fld id="{9F39E346-B1F3-4075-BD67-234EF0F10AC6}" type="slidenum">
+              <a:rPr lang="et-EE" smtClean="0">
+                <a:solidFill>
+                  <a:srgbClr val="A8B7BF"/>
+                </a:solidFill>
+                <a:latin typeface="Arial" panose="020B0604020202020204" pitchFamily="34" charset="0"/>
+                <a:cs typeface="Arial" panose="020B0604020202020204" pitchFamily="34" charset="0"/>
+              </a:rPr>
+              <a:pPr/>
+              <a:t>4</a:t>
+            </a:fld>
+            <a:endParaRPr lang="et-EE" dirty="0">
+              <a:solidFill>
+                <a:srgbClr val="A8B7BF"/>
+              </a:solidFill>
+              <a:latin typeface="Arial" panose="020B0604020202020204" pitchFamily="34" charset="0"/>
+              <a:cs typeface="Arial" panose="020B0604020202020204" pitchFamily="34" charset="0"/>
+            </a:endParaRPr>
+          </a:p>
+        </p:txBody>
+      </p:sp>
+      <p:sp>
+        <p:nvSpPr>
+          <p:cNvPr id="5" name="Date Placeholder 4">
+            <a:extLst>
+              <a:ext uri="{FF2B5EF4-FFF2-40B4-BE49-F238E27FC236}">
+                <a16:creationId xmlns:a16="http://schemas.microsoft.com/office/drawing/2014/main" id="{FC11AC1E-22B3-C098-E60C-96E209AE4FC0}"/>
+              </a:ext>
+            </a:extLst>
+          </p:cNvPr>
+          <p:cNvSpPr>
+            <a:spLocks noGrp="1"/>
+          </p:cNvSpPr>
+          <p:nvPr>
+            <p:ph type="dt" sz="half" idx="10"/>
+          </p:nvPr>
+        </p:nvSpPr>
+        <p:spPr/>
+        <p:txBody>
+          <a:bodyPr/>
+          <a:lstStyle/>
+          <a:p>
+            <a:fld id="{32EEE099-2A99-443B-9970-120A01131372}" type="datetime1">
+              <a:rPr lang="et-EE" smtClean="0">
+                <a:solidFill>
+                  <a:srgbClr val="A8B7BF"/>
+                </a:solidFill>
+                <a:latin typeface="Arial" panose="020B0604020202020204" pitchFamily="34" charset="0"/>
+                <a:cs typeface="Arial" panose="020B0604020202020204" pitchFamily="34" charset="0"/>
+              </a:rPr>
+              <a:t>09.05.2025</a:t>
+            </a:fld>
+            <a:endParaRPr lang="et-EE" dirty="0">
+              <a:solidFill>
+                <a:srgbClr val="A8B7BF"/>
+              </a:solidFill>
+              <a:latin typeface="Arial" panose="020B0604020202020204" pitchFamily="34" charset="0"/>
+              <a:cs typeface="Arial" panose="020B0604020202020204" pitchFamily="34" charset="0"/>
+            </a:endParaRPr>
+          </a:p>
+        </p:txBody>
+      </p:sp>
+      <p:sp>
+        <p:nvSpPr>
+          <p:cNvPr id="6" name="Footer Placeholder 5">
+            <a:extLst>
+              <a:ext uri="{FF2B5EF4-FFF2-40B4-BE49-F238E27FC236}">
+                <a16:creationId xmlns:a16="http://schemas.microsoft.com/office/drawing/2014/main" id="{9558E68E-7B7B-D8F3-62B1-6AAB47D73956}"/>
+              </a:ext>
+            </a:extLst>
+          </p:cNvPr>
+          <p:cNvSpPr>
+            <a:spLocks noGrp="1"/>
+          </p:cNvSpPr>
+          <p:nvPr>
+            <p:ph type="ftr" sz="quarter" idx="11"/>
+          </p:nvPr>
+        </p:nvSpPr>
+        <p:spPr/>
+        <p:txBody>
+          <a:bodyPr/>
+          <a:lstStyle/>
+          <a:p>
+            <a:r>
+              <a:rPr lang="et-EE" dirty="0" err="1">
+                <a:solidFill>
+                  <a:srgbClr val="A8B7BF"/>
+                </a:solidFill>
+                <a:latin typeface="Arial" panose="020B0604020202020204" pitchFamily="34" charset="0"/>
+                <a:cs typeface="Arial" panose="020B0604020202020204" pitchFamily="34" charset="0"/>
+              </a:rPr>
+              <a:t>Weekly</a:t>
+            </a:r>
+            <a:endParaRPr lang="et-EE" dirty="0">
+              <a:solidFill>
+                <a:srgbClr val="A8B7BF"/>
+              </a:solidFill>
+              <a:latin typeface="Arial" panose="020B0604020202020204" pitchFamily="34" charset="0"/>
+              <a:cs typeface="Arial" panose="020B0604020202020204" pitchFamily="34" charset="0"/>
+            </a:endParaRPr>
+          </a:p>
+        </p:txBody>
+      </p:sp>
+      <p:pic>
+        <p:nvPicPr>
+          <p:cNvPr id="14" name="Content Placeholder 13">
+            <a:extLst>
+              <a:ext uri="{FF2B5EF4-FFF2-40B4-BE49-F238E27FC236}">
+                <a16:creationId xmlns:a16="http://schemas.microsoft.com/office/drawing/2014/main" id="{B066F113-FDDF-73C8-5549-B662E3F7581B}"/>
+              </a:ext>
+            </a:extLst>
+          </p:cNvPr>
+          <p:cNvPicPr>
+            <a:picLocks noGrp="1" noChangeAspect="1"/>
+          </p:cNvPicPr>
+          <p:nvPr>
+            <p:ph idx="1"/>
+          </p:nvPr>
+        </p:nvPicPr>
+        <p:blipFill>
+          <a:blip r:embed="rId2"/>
+          <a:srcRect/>
+          <a:stretch/>
+        </p:blipFill>
+        <p:spPr>
+          <a:xfrm>
+            <a:off x="-530080" y="685800"/>
+            <a:ext cx="15114759" cy="6488307"/>
+          </a:xfrm>
+        </p:spPr>
+      </p:pic>
+      <p:sp>
+        <p:nvSpPr>
+          <p:cNvPr id="8" name="TextBox 7">
+            <a:extLst>
+              <a:ext uri="{FF2B5EF4-FFF2-40B4-BE49-F238E27FC236}">
+                <a16:creationId xmlns:a16="http://schemas.microsoft.com/office/drawing/2014/main" id="{F7AB2EC5-C78E-4AE6-86BF-8B3D7EAC85C5}"/>
+              </a:ext>
+            </a:extLst>
+          </p:cNvPr>
+          <p:cNvSpPr txBox="1"/>
+          <p:nvPr/>
+        </p:nvSpPr>
+        <p:spPr>
+          <a:xfrm>
+            <a:off x="8820150" y="476250"/>
+            <a:ext cx="3271837" cy="1384995"/>
+          </a:xfrm>
+          <a:prstGeom prst="rect">
+            <a:avLst/>
+          </a:prstGeom>
+          <a:noFill/>
+        </p:spPr>
+        <p:txBody>
+          <a:bodyPr wrap="square" rtlCol="0">
+            <a:spAutoFit/>
+          </a:bodyPr>
+          <a:lstStyle/>
+          <a:p>
+            <a:pPr algn="l"/>
+            <a:r>
+              <a:rPr lang="en-US" sz="1400" dirty="0">
+                <a:solidFill>
+                  <a:srgbClr val="667982"/>
+                </a:solidFill>
+                <a:latin typeface="Arial" panose="020B0604020202020204" pitchFamily="34" charset="0"/>
+                <a:cs typeface="Arial" panose="020B0604020202020204" pitchFamily="34" charset="0"/>
+              </a:rPr>
+              <a:t>USO – Ultra Stable Oscillator</a:t>
+            </a:r>
+          </a:p>
+          <a:p>
+            <a:pPr algn="l"/>
+            <a:r>
+              <a:rPr lang="en-US" sz="1400" dirty="0">
+                <a:solidFill>
+                  <a:srgbClr val="667982"/>
+                </a:solidFill>
+                <a:latin typeface="Arial" panose="020B0604020202020204" pitchFamily="34" charset="0"/>
+                <a:cs typeface="Arial" panose="020B0604020202020204" pitchFamily="34" charset="0"/>
+              </a:rPr>
+              <a:t>PM CLK – Phasemeter system clock</a:t>
+            </a:r>
+          </a:p>
+          <a:p>
+            <a:pPr algn="l"/>
+            <a:r>
+              <a:rPr lang="en-US" sz="1400" dirty="0">
+                <a:solidFill>
+                  <a:srgbClr val="667982"/>
+                </a:solidFill>
+                <a:latin typeface="Arial" panose="020B0604020202020204" pitchFamily="34" charset="0"/>
+                <a:cs typeface="Arial" panose="020B0604020202020204" pitchFamily="34" charset="0"/>
+              </a:rPr>
+              <a:t>USB – Upper Sideband</a:t>
+            </a:r>
+          </a:p>
+          <a:p>
+            <a:pPr algn="l"/>
+            <a:r>
+              <a:rPr lang="en-US" sz="1400" dirty="0">
+                <a:solidFill>
+                  <a:srgbClr val="667982"/>
+                </a:solidFill>
+                <a:latin typeface="Arial" panose="020B0604020202020204" pitchFamily="34" charset="0"/>
+                <a:cs typeface="Arial" panose="020B0604020202020204" pitchFamily="34" charset="0"/>
+              </a:rPr>
+              <a:t>LSB – Lower Sideband</a:t>
+            </a:r>
+          </a:p>
+          <a:p>
+            <a:pPr algn="l"/>
+            <a:r>
+              <a:rPr lang="en-US" sz="1400" dirty="0">
+                <a:solidFill>
+                  <a:srgbClr val="667982"/>
+                </a:solidFill>
+                <a:latin typeface="Arial" panose="020B0604020202020204" pitchFamily="34" charset="0"/>
+                <a:cs typeface="Arial" panose="020B0604020202020204" pitchFamily="34" charset="0"/>
+              </a:rPr>
+              <a:t>PT – Pilot Tone</a:t>
+            </a:r>
+          </a:p>
+          <a:p>
+            <a:pPr algn="l"/>
+            <a:r>
+              <a:rPr lang="en-US" sz="1400" dirty="0">
+                <a:solidFill>
+                  <a:srgbClr val="667982"/>
+                </a:solidFill>
+                <a:latin typeface="Arial" panose="020B0604020202020204" pitchFamily="34" charset="0"/>
+                <a:cs typeface="Arial" panose="020B0604020202020204" pitchFamily="34" charset="0"/>
+              </a:rPr>
+              <a:t>LA – Laser Assembly</a:t>
+            </a:r>
+            <a:endParaRPr lang="LID4096" sz="1400" dirty="0">
+              <a:solidFill>
+                <a:srgbClr val="667982"/>
+              </a:solidFill>
+              <a:latin typeface="Arial" panose="020B0604020202020204" pitchFamily="34" charset="0"/>
+              <a:cs typeface="Arial" panose="020B0604020202020204" pitchFamily="34" charset="0"/>
+            </a:endParaRPr>
+          </a:p>
+        </p:txBody>
+      </p:sp>
+    </p:spTree>
+    <p:extLst>
+      <p:ext uri="{BB962C8B-B14F-4D97-AF65-F5344CB8AC3E}">
+        <p14:creationId xmlns:p14="http://schemas.microsoft.com/office/powerpoint/2010/main" val="250462015"/>
+      </p:ext>
+    </p:extLst>
+  </p:cSld>
+  <p:clrMapOvr>
+    <a:masterClrMapping/>
+  </p:clrMapOvr>
+</p:sld>
+</file>
+
 <file path=ppt/slides/slide5.xml><?xml version="1.0" encoding="utf-8"?>
+<p:sld xmlns:a="http://schemas.openxmlformats.org/drawingml/2006/main" xmlns:r="http://schemas.openxmlformats.org/officeDocument/2006/relationships" xmlns:p="http://schemas.openxmlformats.org/presentationml/2006/main">
+  <p:cSld>
+    <p:spTree>
+      <p:nvGrpSpPr>
+        <p:cNvPr id="1" name="">
+          <a:extLst>
+            <a:ext uri="{FF2B5EF4-FFF2-40B4-BE49-F238E27FC236}">
+              <a16:creationId xmlns:a16="http://schemas.microsoft.com/office/drawing/2014/main" id="{295051E6-10E8-9422-6D3A-5B2CD75303C0}"/>
+            </a:ext>
+          </a:extLst>
+        </p:cNvPr>
+        <p:cNvGrpSpPr/>
+        <p:nvPr/>
+      </p:nvGrpSpPr>
+      <p:grpSpPr>
+        <a:xfrm>
+          <a:off x="0" y="0"/>
+          <a:ext cx="0" cy="0"/>
+          <a:chOff x="0" y="0"/>
+          <a:chExt cx="0" cy="0"/>
+        </a:xfrm>
+      </p:grpSpPr>
+      <p:sp>
+        <p:nvSpPr>
+          <p:cNvPr id="2" name="Title 1">
+            <a:extLst>
+              <a:ext uri="{FF2B5EF4-FFF2-40B4-BE49-F238E27FC236}">
+                <a16:creationId xmlns:a16="http://schemas.microsoft.com/office/drawing/2014/main" id="{DFBC3954-E022-A584-0DBD-5710B5779E62}"/>
+              </a:ext>
+            </a:extLst>
+          </p:cNvPr>
+          <p:cNvSpPr>
+            <a:spLocks noGrp="1"/>
+          </p:cNvSpPr>
+          <p:nvPr>
+            <p:ph type="title"/>
+          </p:nvPr>
+        </p:nvSpPr>
+        <p:spPr/>
+        <p:txBody>
+          <a:bodyPr/>
+          <a:lstStyle/>
+          <a:p>
+            <a:r>
+              <a:rPr lang="en-US" dirty="0"/>
+              <a:t>Reference Signal</a:t>
+            </a:r>
+            <a:endParaRPr lang="et-EE" dirty="0"/>
+          </a:p>
+        </p:txBody>
+      </p:sp>
+      <p:sp>
+        <p:nvSpPr>
+          <p:cNvPr id="4" name="Slide Number Placeholder 3">
+            <a:extLst>
+              <a:ext uri="{FF2B5EF4-FFF2-40B4-BE49-F238E27FC236}">
+                <a16:creationId xmlns:a16="http://schemas.microsoft.com/office/drawing/2014/main" id="{A775BA1F-B9E9-54A0-B801-F82E14C86EAB}"/>
+              </a:ext>
+            </a:extLst>
+          </p:cNvPr>
+          <p:cNvSpPr>
+            <a:spLocks noGrp="1"/>
+          </p:cNvSpPr>
+          <p:nvPr>
+            <p:ph type="sldNum" sz="quarter" idx="12"/>
+          </p:nvPr>
+        </p:nvSpPr>
+        <p:spPr/>
+        <p:txBody>
+          <a:bodyPr/>
+          <a:lstStyle/>
+          <a:p>
+            <a:fld id="{9F39E346-B1F3-4075-BD67-234EF0F10AC6}" type="slidenum">
+              <a:rPr lang="et-EE" smtClean="0">
+                <a:solidFill>
+                  <a:srgbClr val="A8B7BF"/>
+                </a:solidFill>
+                <a:latin typeface="Arial" panose="020B0604020202020204" pitchFamily="34" charset="0"/>
+                <a:cs typeface="Arial" panose="020B0604020202020204" pitchFamily="34" charset="0"/>
+              </a:rPr>
+              <a:pPr/>
+              <a:t>5</a:t>
+            </a:fld>
+            <a:endParaRPr lang="et-EE" dirty="0">
+              <a:solidFill>
+                <a:srgbClr val="A8B7BF"/>
+              </a:solidFill>
+              <a:latin typeface="Arial" panose="020B0604020202020204" pitchFamily="34" charset="0"/>
+              <a:cs typeface="Arial" panose="020B0604020202020204" pitchFamily="34" charset="0"/>
+            </a:endParaRPr>
+          </a:p>
+        </p:txBody>
+      </p:sp>
+      <p:sp>
+        <p:nvSpPr>
+          <p:cNvPr id="5" name="Date Placeholder 4">
+            <a:extLst>
+              <a:ext uri="{FF2B5EF4-FFF2-40B4-BE49-F238E27FC236}">
+                <a16:creationId xmlns:a16="http://schemas.microsoft.com/office/drawing/2014/main" id="{FC11AC1E-22B3-C098-E60C-96E209AE4FC0}"/>
+              </a:ext>
+            </a:extLst>
+          </p:cNvPr>
+          <p:cNvSpPr>
+            <a:spLocks noGrp="1"/>
+          </p:cNvSpPr>
+          <p:nvPr>
+            <p:ph type="dt" sz="half" idx="10"/>
+          </p:nvPr>
+        </p:nvSpPr>
+        <p:spPr/>
+        <p:txBody>
+          <a:bodyPr/>
+          <a:lstStyle/>
+          <a:p>
+            <a:fld id="{32EEE099-2A99-443B-9970-120A01131372}" type="datetime1">
+              <a:rPr lang="et-EE" smtClean="0">
+                <a:solidFill>
+                  <a:srgbClr val="A8B7BF"/>
+                </a:solidFill>
+                <a:latin typeface="Arial" panose="020B0604020202020204" pitchFamily="34" charset="0"/>
+                <a:cs typeface="Arial" panose="020B0604020202020204" pitchFamily="34" charset="0"/>
+              </a:rPr>
+              <a:t>09.05.2025</a:t>
+            </a:fld>
+            <a:endParaRPr lang="et-EE" dirty="0">
+              <a:solidFill>
+                <a:srgbClr val="A8B7BF"/>
+              </a:solidFill>
+              <a:latin typeface="Arial" panose="020B0604020202020204" pitchFamily="34" charset="0"/>
+              <a:cs typeface="Arial" panose="020B0604020202020204" pitchFamily="34" charset="0"/>
+            </a:endParaRPr>
+          </a:p>
+        </p:txBody>
+      </p:sp>
+      <p:sp>
+        <p:nvSpPr>
+          <p:cNvPr id="6" name="Footer Placeholder 5">
+            <a:extLst>
+              <a:ext uri="{FF2B5EF4-FFF2-40B4-BE49-F238E27FC236}">
+                <a16:creationId xmlns:a16="http://schemas.microsoft.com/office/drawing/2014/main" id="{9558E68E-7B7B-D8F3-62B1-6AAB47D73956}"/>
+              </a:ext>
+            </a:extLst>
+          </p:cNvPr>
+          <p:cNvSpPr>
+            <a:spLocks noGrp="1"/>
+          </p:cNvSpPr>
+          <p:nvPr>
+            <p:ph type="ftr" sz="quarter" idx="11"/>
+          </p:nvPr>
+        </p:nvSpPr>
+        <p:spPr/>
+        <p:txBody>
+          <a:bodyPr/>
+          <a:lstStyle/>
+          <a:p>
+            <a:r>
+              <a:rPr lang="et-EE" dirty="0" err="1">
+                <a:solidFill>
+                  <a:srgbClr val="A8B7BF"/>
+                </a:solidFill>
+                <a:latin typeface="Arial" panose="020B0604020202020204" pitchFamily="34" charset="0"/>
+                <a:cs typeface="Arial" panose="020B0604020202020204" pitchFamily="34" charset="0"/>
+              </a:rPr>
+              <a:t>Weekly</a:t>
+            </a:r>
+            <a:endParaRPr lang="et-EE" dirty="0">
+              <a:solidFill>
+                <a:srgbClr val="A8B7BF"/>
+              </a:solidFill>
+              <a:latin typeface="Arial" panose="020B0604020202020204" pitchFamily="34" charset="0"/>
+              <a:cs typeface="Arial" panose="020B0604020202020204" pitchFamily="34" charset="0"/>
+            </a:endParaRPr>
+          </a:p>
+        </p:txBody>
+      </p:sp>
+      <p:pic>
+        <p:nvPicPr>
+          <p:cNvPr id="14" name="Content Placeholder 13">
+            <a:extLst>
+              <a:ext uri="{FF2B5EF4-FFF2-40B4-BE49-F238E27FC236}">
+                <a16:creationId xmlns:a16="http://schemas.microsoft.com/office/drawing/2014/main" id="{B066F113-FDDF-73C8-5549-B662E3F7581B}"/>
+              </a:ext>
+            </a:extLst>
+          </p:cNvPr>
+          <p:cNvPicPr>
+            <a:picLocks noGrp="1" noChangeAspect="1"/>
+          </p:cNvPicPr>
+          <p:nvPr>
+            <p:ph idx="1"/>
+          </p:nvPr>
+        </p:nvPicPr>
+        <p:blipFill>
+          <a:blip r:embed="rId2"/>
+          <a:srcRect/>
+          <a:stretch/>
+        </p:blipFill>
+        <p:spPr>
+          <a:xfrm>
+            <a:off x="-530080" y="685800"/>
+            <a:ext cx="15114759" cy="6488307"/>
+          </a:xfrm>
+        </p:spPr>
+      </p:pic>
+      <p:sp>
+        <p:nvSpPr>
+          <p:cNvPr id="3" name="TextBox 2">
+            <a:extLst>
+              <a:ext uri="{FF2B5EF4-FFF2-40B4-BE49-F238E27FC236}">
+                <a16:creationId xmlns:a16="http://schemas.microsoft.com/office/drawing/2014/main" id="{CDBA1449-5DAC-4992-95D9-F94BD71FFBFB}"/>
+              </a:ext>
+            </a:extLst>
+          </p:cNvPr>
+          <p:cNvSpPr txBox="1"/>
+          <p:nvPr/>
+        </p:nvSpPr>
+        <p:spPr>
+          <a:xfrm>
+            <a:off x="9622630" y="2505075"/>
+            <a:ext cx="2283620" cy="3970318"/>
+          </a:xfrm>
+          <a:prstGeom prst="rect">
+            <a:avLst/>
+          </a:prstGeom>
+          <a:noFill/>
+        </p:spPr>
+        <p:txBody>
+          <a:bodyPr wrap="square" rtlCol="0">
+            <a:spAutoFit/>
+          </a:bodyPr>
+          <a:lstStyle/>
+          <a:p>
+            <a:pPr algn="l"/>
+            <a:r>
+              <a:rPr lang="en-US" sz="1400" dirty="0">
+                <a:solidFill>
+                  <a:srgbClr val="667982"/>
+                </a:solidFill>
+                <a:latin typeface="Arial" panose="020B0604020202020204" pitchFamily="34" charset="0"/>
+                <a:cs typeface="Arial" panose="020B0604020202020204" pitchFamily="34" charset="0"/>
+              </a:rPr>
+              <a:t>The additional ADC noise is removed using the PT.</a:t>
+            </a:r>
+          </a:p>
+          <a:p>
+            <a:pPr algn="l"/>
+            <a:endParaRPr lang="en-US" sz="1400" dirty="0">
+              <a:solidFill>
+                <a:srgbClr val="667982"/>
+              </a:solidFill>
+              <a:latin typeface="Arial" panose="020B0604020202020204" pitchFamily="34" charset="0"/>
+              <a:cs typeface="Arial" panose="020B0604020202020204" pitchFamily="34" charset="0"/>
+            </a:endParaRPr>
+          </a:p>
+          <a:p>
+            <a:pPr algn="l"/>
+            <a:endParaRPr lang="en-US" sz="1400" dirty="0">
+              <a:solidFill>
+                <a:srgbClr val="667982"/>
+              </a:solidFill>
+              <a:latin typeface="Arial" panose="020B0604020202020204" pitchFamily="34" charset="0"/>
+              <a:cs typeface="Arial" panose="020B0604020202020204" pitchFamily="34" charset="0"/>
+            </a:endParaRPr>
+          </a:p>
+          <a:p>
+            <a:pPr algn="l"/>
+            <a:r>
+              <a:rPr lang="en-US" sz="1400" dirty="0">
+                <a:solidFill>
+                  <a:srgbClr val="667982"/>
+                </a:solidFill>
+                <a:latin typeface="Arial" panose="020B0604020202020204" pitchFamily="34" charset="0"/>
+                <a:cs typeface="Arial" panose="020B0604020202020204" pitchFamily="34" charset="0"/>
+              </a:rPr>
+              <a:t>But the right side PT is noisier than the left hand one.</a:t>
+            </a:r>
+          </a:p>
+          <a:p>
+            <a:pPr algn="l"/>
+            <a:endParaRPr lang="en-US" sz="1400" dirty="0">
+              <a:solidFill>
+                <a:srgbClr val="667982"/>
+              </a:solidFill>
+              <a:latin typeface="Arial" panose="020B0604020202020204" pitchFamily="34" charset="0"/>
+              <a:cs typeface="Arial" panose="020B0604020202020204" pitchFamily="34" charset="0"/>
+            </a:endParaRPr>
+          </a:p>
+          <a:p>
+            <a:pPr algn="l"/>
+            <a:endParaRPr lang="en-US" sz="1400" dirty="0">
+              <a:solidFill>
+                <a:srgbClr val="667982"/>
+              </a:solidFill>
+              <a:latin typeface="Arial" panose="020B0604020202020204" pitchFamily="34" charset="0"/>
+              <a:cs typeface="Arial" panose="020B0604020202020204" pitchFamily="34" charset="0"/>
+            </a:endParaRPr>
+          </a:p>
+          <a:p>
+            <a:pPr algn="l"/>
+            <a:r>
+              <a:rPr lang="en-US" sz="1400" dirty="0">
+                <a:solidFill>
+                  <a:srgbClr val="667982"/>
+                </a:solidFill>
+                <a:latin typeface="Arial" panose="020B0604020202020204" pitchFamily="34" charset="0"/>
+                <a:cs typeface="Arial" panose="020B0604020202020204" pitchFamily="34" charset="0"/>
+              </a:rPr>
+              <a:t>This is remedied by a reference interferometer SB-SB </a:t>
+            </a:r>
+            <a:r>
+              <a:rPr lang="en-US" sz="1400" dirty="0" err="1">
+                <a:solidFill>
+                  <a:srgbClr val="667982"/>
+                </a:solidFill>
+                <a:latin typeface="Arial" panose="020B0604020202020204" pitchFamily="34" charset="0"/>
+                <a:cs typeface="Arial" panose="020B0604020202020204" pitchFamily="34" charset="0"/>
+              </a:rPr>
+              <a:t>beatnote</a:t>
+            </a:r>
+            <a:r>
+              <a:rPr lang="en-US" sz="1400" dirty="0">
+                <a:solidFill>
+                  <a:srgbClr val="667982"/>
+                </a:solidFill>
+                <a:latin typeface="Arial" panose="020B0604020202020204" pitchFamily="34" charset="0"/>
+                <a:cs typeface="Arial" panose="020B0604020202020204" pitchFamily="34" charset="0"/>
+              </a:rPr>
+              <a:t>.</a:t>
+            </a:r>
+          </a:p>
+          <a:p>
+            <a:pPr algn="l"/>
+            <a:endParaRPr lang="en-US" sz="1400" dirty="0">
+              <a:solidFill>
+                <a:srgbClr val="667982"/>
+              </a:solidFill>
+              <a:latin typeface="Arial" panose="020B0604020202020204" pitchFamily="34" charset="0"/>
+              <a:cs typeface="Arial" panose="020B0604020202020204" pitchFamily="34" charset="0"/>
+            </a:endParaRPr>
+          </a:p>
+          <a:p>
+            <a:pPr algn="l"/>
+            <a:endParaRPr lang="en-US" sz="1400" dirty="0">
+              <a:solidFill>
+                <a:srgbClr val="667982"/>
+              </a:solidFill>
+              <a:latin typeface="Arial" panose="020B0604020202020204" pitchFamily="34" charset="0"/>
+              <a:cs typeface="Arial" panose="020B0604020202020204" pitchFamily="34" charset="0"/>
+            </a:endParaRPr>
+          </a:p>
+          <a:p>
+            <a:pPr algn="l"/>
+            <a:r>
+              <a:rPr lang="en-US" sz="1400" dirty="0">
+                <a:solidFill>
+                  <a:srgbClr val="667982"/>
+                </a:solidFill>
+                <a:latin typeface="Arial" panose="020B0604020202020204" pitchFamily="34" charset="0"/>
+                <a:cs typeface="Arial" panose="020B0604020202020204" pitchFamily="34" charset="0"/>
+              </a:rPr>
+              <a:t>After the PT correction, the heterodyne signals are almost exactly given in reference to the PT.</a:t>
+            </a:r>
+          </a:p>
+        </p:txBody>
+      </p:sp>
+      <p:sp>
+        <p:nvSpPr>
+          <p:cNvPr id="8" name="TextBox 7">
+            <a:extLst>
+              <a:ext uri="{FF2B5EF4-FFF2-40B4-BE49-F238E27FC236}">
+                <a16:creationId xmlns:a16="http://schemas.microsoft.com/office/drawing/2014/main" id="{F7AB2EC5-C78E-4AE6-86BF-8B3D7EAC85C5}"/>
+              </a:ext>
+            </a:extLst>
+          </p:cNvPr>
+          <p:cNvSpPr txBox="1"/>
+          <p:nvPr/>
+        </p:nvSpPr>
+        <p:spPr>
+          <a:xfrm>
+            <a:off x="8820150" y="476250"/>
+            <a:ext cx="3271837" cy="1384995"/>
+          </a:xfrm>
+          <a:prstGeom prst="rect">
+            <a:avLst/>
+          </a:prstGeom>
+          <a:noFill/>
+        </p:spPr>
+        <p:txBody>
+          <a:bodyPr wrap="square" rtlCol="0">
+            <a:spAutoFit/>
+          </a:bodyPr>
+          <a:lstStyle/>
+          <a:p>
+            <a:pPr algn="l"/>
+            <a:r>
+              <a:rPr lang="en-US" sz="1400" dirty="0">
+                <a:solidFill>
+                  <a:srgbClr val="667982"/>
+                </a:solidFill>
+                <a:latin typeface="Arial" panose="020B0604020202020204" pitchFamily="34" charset="0"/>
+                <a:cs typeface="Arial" panose="020B0604020202020204" pitchFamily="34" charset="0"/>
+              </a:rPr>
+              <a:t>USO – Ultra Stable Oscillator</a:t>
+            </a:r>
+          </a:p>
+          <a:p>
+            <a:pPr algn="l"/>
+            <a:r>
+              <a:rPr lang="en-US" sz="1400" dirty="0">
+                <a:solidFill>
+                  <a:srgbClr val="667982"/>
+                </a:solidFill>
+                <a:latin typeface="Arial" panose="020B0604020202020204" pitchFamily="34" charset="0"/>
+                <a:cs typeface="Arial" panose="020B0604020202020204" pitchFamily="34" charset="0"/>
+              </a:rPr>
+              <a:t>PM CLK – Phasemeter system clock</a:t>
+            </a:r>
+          </a:p>
+          <a:p>
+            <a:pPr algn="l"/>
+            <a:r>
+              <a:rPr lang="en-US" sz="1400" dirty="0">
+                <a:solidFill>
+                  <a:srgbClr val="667982"/>
+                </a:solidFill>
+                <a:latin typeface="Arial" panose="020B0604020202020204" pitchFamily="34" charset="0"/>
+                <a:cs typeface="Arial" panose="020B0604020202020204" pitchFamily="34" charset="0"/>
+              </a:rPr>
+              <a:t>USB – Upper Sideband</a:t>
+            </a:r>
+          </a:p>
+          <a:p>
+            <a:pPr algn="l"/>
+            <a:r>
+              <a:rPr lang="en-US" sz="1400" dirty="0">
+                <a:solidFill>
+                  <a:srgbClr val="667982"/>
+                </a:solidFill>
+                <a:latin typeface="Arial" panose="020B0604020202020204" pitchFamily="34" charset="0"/>
+                <a:cs typeface="Arial" panose="020B0604020202020204" pitchFamily="34" charset="0"/>
+              </a:rPr>
+              <a:t>LSB – Lower Sideband</a:t>
+            </a:r>
+          </a:p>
+          <a:p>
+            <a:pPr algn="l"/>
+            <a:r>
+              <a:rPr lang="en-US" sz="1400" dirty="0">
+                <a:solidFill>
+                  <a:srgbClr val="667982"/>
+                </a:solidFill>
+                <a:latin typeface="Arial" panose="020B0604020202020204" pitchFamily="34" charset="0"/>
+                <a:cs typeface="Arial" panose="020B0604020202020204" pitchFamily="34" charset="0"/>
+              </a:rPr>
+              <a:t>PT – Pilot Tone</a:t>
+            </a:r>
+          </a:p>
+          <a:p>
+            <a:pPr algn="l"/>
+            <a:r>
+              <a:rPr lang="en-US" sz="1400" dirty="0">
+                <a:solidFill>
+                  <a:srgbClr val="667982"/>
+                </a:solidFill>
+                <a:latin typeface="Arial" panose="020B0604020202020204" pitchFamily="34" charset="0"/>
+                <a:cs typeface="Arial" panose="020B0604020202020204" pitchFamily="34" charset="0"/>
+              </a:rPr>
+              <a:t>LA – Laser Assembly</a:t>
+            </a:r>
+            <a:endParaRPr lang="LID4096" sz="1400" dirty="0">
+              <a:solidFill>
+                <a:srgbClr val="667982"/>
+              </a:solidFill>
+              <a:latin typeface="Arial" panose="020B0604020202020204" pitchFamily="34" charset="0"/>
+              <a:cs typeface="Arial" panose="020B0604020202020204" pitchFamily="34" charset="0"/>
+            </a:endParaRPr>
+          </a:p>
+        </p:txBody>
+      </p:sp>
+      <p:cxnSp>
+        <p:nvCxnSpPr>
+          <p:cNvPr id="9" name="Straight Arrow Connector 8">
+            <a:extLst>
+              <a:ext uri="{FF2B5EF4-FFF2-40B4-BE49-F238E27FC236}">
+                <a16:creationId xmlns:a16="http://schemas.microsoft.com/office/drawing/2014/main" id="{17C069FB-A646-435F-9B9C-1CE74CCB4CA1}"/>
+              </a:ext>
+            </a:extLst>
+          </p:cNvPr>
+          <p:cNvCxnSpPr>
+            <a:cxnSpLocks/>
+          </p:cNvCxnSpPr>
+          <p:nvPr/>
+        </p:nvCxnSpPr>
+        <p:spPr>
+          <a:xfrm>
+            <a:off x="10658475" y="3019425"/>
+            <a:ext cx="0" cy="409575"/>
+          </a:xfrm>
+          <a:prstGeom prst="straightConnector1">
+            <a:avLst/>
+          </a:prstGeom>
+          <a:ln w="28575">
+            <a:solidFill>
+              <a:srgbClr val="667982"/>
+            </a:solidFill>
+            <a:tailEnd type="triangle"/>
+          </a:ln>
+        </p:spPr>
+        <p:style>
+          <a:lnRef idx="1">
+            <a:schemeClr val="accent1"/>
+          </a:lnRef>
+          <a:fillRef idx="0">
+            <a:schemeClr val="accent1"/>
+          </a:fillRef>
+          <a:effectRef idx="0">
+            <a:schemeClr val="accent1"/>
+          </a:effectRef>
+          <a:fontRef idx="minor">
+            <a:schemeClr val="tx1"/>
+          </a:fontRef>
+        </p:style>
+      </p:cxnSp>
+      <p:cxnSp>
+        <p:nvCxnSpPr>
+          <p:cNvPr id="12" name="Straight Arrow Connector 11">
+            <a:extLst>
+              <a:ext uri="{FF2B5EF4-FFF2-40B4-BE49-F238E27FC236}">
+                <a16:creationId xmlns:a16="http://schemas.microsoft.com/office/drawing/2014/main" id="{EA28E09B-3FD0-4D96-AB8E-B79E49F0D8E8}"/>
+              </a:ext>
+            </a:extLst>
+          </p:cNvPr>
+          <p:cNvCxnSpPr>
+            <a:cxnSpLocks/>
+          </p:cNvCxnSpPr>
+          <p:nvPr/>
+        </p:nvCxnSpPr>
+        <p:spPr>
+          <a:xfrm>
+            <a:off x="10658475" y="3957638"/>
+            <a:ext cx="0" cy="409575"/>
+          </a:xfrm>
+          <a:prstGeom prst="straightConnector1">
+            <a:avLst/>
+          </a:prstGeom>
+          <a:ln w="28575">
+            <a:solidFill>
+              <a:srgbClr val="667982"/>
+            </a:solidFill>
+            <a:tailEnd type="triangle"/>
+          </a:ln>
+        </p:spPr>
+        <p:style>
+          <a:lnRef idx="1">
+            <a:schemeClr val="accent1"/>
+          </a:lnRef>
+          <a:fillRef idx="0">
+            <a:schemeClr val="accent1"/>
+          </a:fillRef>
+          <a:effectRef idx="0">
+            <a:schemeClr val="accent1"/>
+          </a:effectRef>
+          <a:fontRef idx="minor">
+            <a:schemeClr val="tx1"/>
+          </a:fontRef>
+        </p:style>
+      </p:cxnSp>
+      <p:cxnSp>
+        <p:nvCxnSpPr>
+          <p:cNvPr id="13" name="Straight Arrow Connector 12">
+            <a:extLst>
+              <a:ext uri="{FF2B5EF4-FFF2-40B4-BE49-F238E27FC236}">
+                <a16:creationId xmlns:a16="http://schemas.microsoft.com/office/drawing/2014/main" id="{C2D05F39-3045-4790-A96A-8DF8E6CD3DAD}"/>
+              </a:ext>
+            </a:extLst>
+          </p:cNvPr>
+          <p:cNvCxnSpPr>
+            <a:cxnSpLocks/>
+          </p:cNvCxnSpPr>
+          <p:nvPr/>
+        </p:nvCxnSpPr>
+        <p:spPr>
+          <a:xfrm>
+            <a:off x="10658475" y="5148263"/>
+            <a:ext cx="0" cy="409575"/>
+          </a:xfrm>
+          <a:prstGeom prst="straightConnector1">
+            <a:avLst/>
+          </a:prstGeom>
+          <a:ln w="28575">
+            <a:solidFill>
+              <a:srgbClr val="667982"/>
+            </a:solidFill>
+            <a:tailEnd type="triangle"/>
+          </a:ln>
+        </p:spPr>
+        <p:style>
+          <a:lnRef idx="1">
+            <a:schemeClr val="accent1"/>
+          </a:lnRef>
+          <a:fillRef idx="0">
+            <a:schemeClr val="accent1"/>
+          </a:fillRef>
+          <a:effectRef idx="0">
+            <a:schemeClr val="accent1"/>
+          </a:effectRef>
+          <a:fontRef idx="minor">
+            <a:schemeClr val="tx1"/>
+          </a:fontRef>
+        </p:style>
+      </p:cxnSp>
+    </p:spTree>
+    <p:extLst>
+      <p:ext uri="{BB962C8B-B14F-4D97-AF65-F5344CB8AC3E}">
+        <p14:creationId xmlns:p14="http://schemas.microsoft.com/office/powerpoint/2010/main" val="1345861692"/>
+      </p:ext>
+    </p:extLst>
+  </p:cSld>
+  <p:clrMapOvr>
+    <a:masterClrMapping/>
+  </p:clrMapOvr>
+</p:sld>
+</file>
+
+<file path=ppt/slides/slide6.xml><?xml version="1.0" encoding="utf-8"?>
 <p:sld xmlns:a="http://schemas.openxmlformats.org/drawingml/2006/main" xmlns:r="http://schemas.openxmlformats.org/officeDocument/2006/relationships" xmlns:p="http://schemas.openxmlformats.org/presentationml/2006/main">
   <p:cSld>
     <p:spTree>
@@ -4687,7 +5655,7 @@
                 <a:cs typeface="Arial" panose="020B0604020202020204" pitchFamily="34" charset="0"/>
               </a:rPr>
               <a:pPr/>
-              <a:t>5</a:t>
+              <a:t>6</a:t>
             </a:fld>
             <a:endParaRPr lang="et-EE" dirty="0">
               <a:solidFill>
@@ -4813,6 +5781,315 @@
     <p:extLst>
       <p:ext uri="{BB962C8B-B14F-4D97-AF65-F5344CB8AC3E}">
         <p14:creationId xmlns:p14="http://schemas.microsoft.com/office/powerpoint/2010/main" val="98335032"/>
+      </p:ext>
+    </p:extLst>
+  </p:cSld>
+  <p:clrMapOvr>
+    <a:masterClrMapping/>
+  </p:clrMapOvr>
+</p:sld>
+</file>
+
+<file path=ppt/slides/slide7.xml><?xml version="1.0" encoding="utf-8"?>
+<p:sld xmlns:a="http://schemas.openxmlformats.org/drawingml/2006/main" xmlns:r="http://schemas.openxmlformats.org/officeDocument/2006/relationships" xmlns:p="http://schemas.openxmlformats.org/presentationml/2006/main">
+  <p:cSld>
+    <p:spTree>
+      <p:nvGrpSpPr>
+        <p:cNvPr id="1" name="">
+          <a:extLst>
+            <a:ext uri="{FF2B5EF4-FFF2-40B4-BE49-F238E27FC236}">
+              <a16:creationId xmlns:a16="http://schemas.microsoft.com/office/drawing/2014/main" id="{D6CA4682-4182-8B1C-E23E-0C6C79B2798C}"/>
+            </a:ext>
+          </a:extLst>
+        </p:cNvPr>
+        <p:cNvGrpSpPr/>
+        <p:nvPr/>
+      </p:nvGrpSpPr>
+      <p:grpSpPr>
+        <a:xfrm>
+          <a:off x="0" y="0"/>
+          <a:ext cx="0" cy="0"/>
+          <a:chOff x="0" y="0"/>
+          <a:chExt cx="0" cy="0"/>
+        </a:xfrm>
+      </p:grpSpPr>
+      <p:sp>
+        <p:nvSpPr>
+          <p:cNvPr id="2" name="Title 1">
+            <a:extLst>
+              <a:ext uri="{FF2B5EF4-FFF2-40B4-BE49-F238E27FC236}">
+                <a16:creationId xmlns:a16="http://schemas.microsoft.com/office/drawing/2014/main" id="{E4CAF995-BBE0-E09F-4E34-421F9ED7E972}"/>
+              </a:ext>
+            </a:extLst>
+          </p:cNvPr>
+          <p:cNvSpPr>
+            <a:spLocks noGrp="1"/>
+          </p:cNvSpPr>
+          <p:nvPr>
+            <p:ph type="title"/>
+          </p:nvPr>
+        </p:nvSpPr>
+        <p:spPr/>
+        <p:txBody>
+          <a:bodyPr/>
+          <a:lstStyle/>
+          <a:p>
+            <a:r>
+              <a:rPr lang="en-US" dirty="0"/>
+              <a:t>Take-away for </a:t>
+            </a:r>
+            <a:r>
+              <a:rPr lang="en-US" dirty="0" err="1"/>
+              <a:t>miniLISA</a:t>
+            </a:r>
+            <a:endParaRPr lang="et-EE" dirty="0"/>
+          </a:p>
+        </p:txBody>
+      </p:sp>
+      <p:sp>
+        <p:nvSpPr>
+          <p:cNvPr id="4" name="Slide Number Placeholder 3">
+            <a:extLst>
+              <a:ext uri="{FF2B5EF4-FFF2-40B4-BE49-F238E27FC236}">
+                <a16:creationId xmlns:a16="http://schemas.microsoft.com/office/drawing/2014/main" id="{38CE992B-01C7-789B-B818-74702EB75E0D}"/>
+              </a:ext>
+            </a:extLst>
+          </p:cNvPr>
+          <p:cNvSpPr>
+            <a:spLocks noGrp="1"/>
+          </p:cNvSpPr>
+          <p:nvPr>
+            <p:ph type="sldNum" sz="quarter" idx="12"/>
+          </p:nvPr>
+        </p:nvSpPr>
+        <p:spPr/>
+        <p:txBody>
+          <a:bodyPr/>
+          <a:lstStyle/>
+          <a:p>
+            <a:fld id="{9F39E346-B1F3-4075-BD67-234EF0F10AC6}" type="slidenum">
+              <a:rPr lang="et-EE" smtClean="0">
+                <a:solidFill>
+                  <a:srgbClr val="A8B7BF"/>
+                </a:solidFill>
+                <a:latin typeface="Arial" panose="020B0604020202020204" pitchFamily="34" charset="0"/>
+                <a:cs typeface="Arial" panose="020B0604020202020204" pitchFamily="34" charset="0"/>
+              </a:rPr>
+              <a:pPr/>
+              <a:t>7</a:t>
+            </a:fld>
+            <a:endParaRPr lang="et-EE" dirty="0">
+              <a:solidFill>
+                <a:srgbClr val="A8B7BF"/>
+              </a:solidFill>
+              <a:latin typeface="Arial" panose="020B0604020202020204" pitchFamily="34" charset="0"/>
+              <a:cs typeface="Arial" panose="020B0604020202020204" pitchFamily="34" charset="0"/>
+            </a:endParaRPr>
+          </a:p>
+        </p:txBody>
+      </p:sp>
+      <p:sp>
+        <p:nvSpPr>
+          <p:cNvPr id="5" name="Date Placeholder 4">
+            <a:extLst>
+              <a:ext uri="{FF2B5EF4-FFF2-40B4-BE49-F238E27FC236}">
+                <a16:creationId xmlns:a16="http://schemas.microsoft.com/office/drawing/2014/main" id="{7315138A-0C24-2936-5A8E-25F50A6D3083}"/>
+              </a:ext>
+            </a:extLst>
+          </p:cNvPr>
+          <p:cNvSpPr>
+            <a:spLocks noGrp="1"/>
+          </p:cNvSpPr>
+          <p:nvPr>
+            <p:ph type="dt" sz="half" idx="10"/>
+          </p:nvPr>
+        </p:nvSpPr>
+        <p:spPr/>
+        <p:txBody>
+          <a:bodyPr/>
+          <a:lstStyle/>
+          <a:p>
+            <a:fld id="{32EEE099-2A99-443B-9970-120A01131372}" type="datetime1">
+              <a:rPr lang="et-EE" smtClean="0">
+                <a:solidFill>
+                  <a:srgbClr val="A8B7BF"/>
+                </a:solidFill>
+                <a:latin typeface="Arial" panose="020B0604020202020204" pitchFamily="34" charset="0"/>
+                <a:cs typeface="Arial" panose="020B0604020202020204" pitchFamily="34" charset="0"/>
+              </a:rPr>
+              <a:t>09.05.2025</a:t>
+            </a:fld>
+            <a:endParaRPr lang="et-EE" dirty="0">
+              <a:solidFill>
+                <a:srgbClr val="A8B7BF"/>
+              </a:solidFill>
+              <a:latin typeface="Arial" panose="020B0604020202020204" pitchFamily="34" charset="0"/>
+              <a:cs typeface="Arial" panose="020B0604020202020204" pitchFamily="34" charset="0"/>
+            </a:endParaRPr>
+          </a:p>
+        </p:txBody>
+      </p:sp>
+      <p:sp>
+        <p:nvSpPr>
+          <p:cNvPr id="6" name="Footer Placeholder 5">
+            <a:extLst>
+              <a:ext uri="{FF2B5EF4-FFF2-40B4-BE49-F238E27FC236}">
+                <a16:creationId xmlns:a16="http://schemas.microsoft.com/office/drawing/2014/main" id="{AA60F911-D743-111A-4405-EE0B8A8481F2}"/>
+              </a:ext>
+            </a:extLst>
+          </p:cNvPr>
+          <p:cNvSpPr>
+            <a:spLocks noGrp="1"/>
+          </p:cNvSpPr>
+          <p:nvPr>
+            <p:ph type="ftr" sz="quarter" idx="11"/>
+          </p:nvPr>
+        </p:nvSpPr>
+        <p:spPr/>
+        <p:txBody>
+          <a:bodyPr/>
+          <a:lstStyle/>
+          <a:p>
+            <a:r>
+              <a:rPr lang="et-EE" dirty="0" err="1">
+                <a:solidFill>
+                  <a:srgbClr val="A8B7BF"/>
+                </a:solidFill>
+                <a:latin typeface="Arial" panose="020B0604020202020204" pitchFamily="34" charset="0"/>
+                <a:cs typeface="Arial" panose="020B0604020202020204" pitchFamily="34" charset="0"/>
+              </a:rPr>
+              <a:t>Weekly</a:t>
+            </a:r>
+            <a:endParaRPr lang="et-EE" dirty="0">
+              <a:solidFill>
+                <a:srgbClr val="A8B7BF"/>
+              </a:solidFill>
+              <a:latin typeface="Arial" panose="020B0604020202020204" pitchFamily="34" charset="0"/>
+              <a:cs typeface="Arial" panose="020B0604020202020204" pitchFamily="34" charset="0"/>
+            </a:endParaRPr>
+          </a:p>
+        </p:txBody>
+      </p:sp>
+      <p:pic>
+        <p:nvPicPr>
+          <p:cNvPr id="14" name="Content Placeholder 13">
+            <a:extLst>
+              <a:ext uri="{FF2B5EF4-FFF2-40B4-BE49-F238E27FC236}">
+                <a16:creationId xmlns:a16="http://schemas.microsoft.com/office/drawing/2014/main" id="{288F2593-5DAC-2783-39EF-9D87E3A420A6}"/>
+              </a:ext>
+            </a:extLst>
+          </p:cNvPr>
+          <p:cNvPicPr>
+            <a:picLocks noGrp="1" noChangeAspect="1"/>
+          </p:cNvPicPr>
+          <p:nvPr>
+            <p:ph idx="1"/>
+          </p:nvPr>
+        </p:nvPicPr>
+        <p:blipFill>
+          <a:blip r:embed="rId2"/>
+          <a:srcRect/>
+          <a:stretch/>
+        </p:blipFill>
+        <p:spPr>
+          <a:xfrm>
+            <a:off x="-530080" y="685800"/>
+            <a:ext cx="15114759" cy="6488307"/>
+          </a:xfrm>
+        </p:spPr>
+      </p:pic>
+      <p:sp>
+        <p:nvSpPr>
+          <p:cNvPr id="3" name="TextBox 2">
+            <a:extLst>
+              <a:ext uri="{FF2B5EF4-FFF2-40B4-BE49-F238E27FC236}">
+                <a16:creationId xmlns:a16="http://schemas.microsoft.com/office/drawing/2014/main" id="{6E03D70B-3164-496C-A683-56D86FE3381A}"/>
+              </a:ext>
+            </a:extLst>
+          </p:cNvPr>
+          <p:cNvSpPr txBox="1"/>
+          <p:nvPr/>
+        </p:nvSpPr>
+        <p:spPr>
+          <a:xfrm>
+            <a:off x="8582025" y="1347788"/>
+            <a:ext cx="3209925" cy="2031325"/>
+          </a:xfrm>
+          <a:prstGeom prst="rect">
+            <a:avLst/>
+          </a:prstGeom>
+          <a:noFill/>
+        </p:spPr>
+        <p:txBody>
+          <a:bodyPr wrap="square" rtlCol="0">
+            <a:spAutoFit/>
+          </a:bodyPr>
+          <a:lstStyle/>
+          <a:p>
+            <a:pPr algn="l"/>
+            <a:r>
+              <a:rPr lang="en-US" sz="1400" dirty="0">
+                <a:solidFill>
+                  <a:srgbClr val="667982"/>
+                </a:solidFill>
+                <a:latin typeface="Arial" panose="020B0604020202020204" pitchFamily="34" charset="0"/>
+                <a:cs typeface="Arial" panose="020B0604020202020204" pitchFamily="34" charset="0"/>
+              </a:rPr>
+              <a:t>Currently, we only have one laser, one EOM per spacecraft.</a:t>
+            </a:r>
+          </a:p>
+          <a:p>
+            <a:pPr algn="l"/>
+            <a:endParaRPr lang="en-US" sz="1400" dirty="0">
+              <a:solidFill>
+                <a:srgbClr val="667982"/>
+              </a:solidFill>
+              <a:latin typeface="Arial" panose="020B0604020202020204" pitchFamily="34" charset="0"/>
+              <a:cs typeface="Arial" panose="020B0604020202020204" pitchFamily="34" charset="0"/>
+            </a:endParaRPr>
+          </a:p>
+          <a:p>
+            <a:pPr algn="l"/>
+            <a:r>
+              <a:rPr lang="en-US" sz="1400" dirty="0">
+                <a:solidFill>
+                  <a:srgbClr val="667982"/>
+                </a:solidFill>
+                <a:latin typeface="Arial" panose="020B0604020202020204" pitchFamily="34" charset="0"/>
+                <a:cs typeface="Arial" panose="020B0604020202020204" pitchFamily="34" charset="0"/>
+              </a:rPr>
+              <a:t>So it makes sense to generate only one PT per spacecraft.</a:t>
+            </a:r>
+          </a:p>
+          <a:p>
+            <a:pPr algn="l"/>
+            <a:endParaRPr lang="en-US" sz="1400" dirty="0">
+              <a:solidFill>
+                <a:srgbClr val="667982"/>
+              </a:solidFill>
+              <a:latin typeface="Arial" panose="020B0604020202020204" pitchFamily="34" charset="0"/>
+              <a:cs typeface="Arial" panose="020B0604020202020204" pitchFamily="34" charset="0"/>
+            </a:endParaRPr>
+          </a:p>
+          <a:p>
+            <a:pPr algn="l"/>
+            <a:r>
+              <a:rPr lang="en-US" sz="1400" dirty="0">
+                <a:solidFill>
+                  <a:srgbClr val="667982"/>
+                </a:solidFill>
+                <a:latin typeface="Arial" panose="020B0604020202020204" pitchFamily="34" charset="0"/>
+                <a:cs typeface="Arial" panose="020B0604020202020204" pitchFamily="34" charset="0"/>
+              </a:rPr>
+              <a:t>Which would mean that the inclusion of the reference interferometer for this purpose would be unnecessary.</a:t>
+            </a:r>
+          </a:p>
+        </p:txBody>
+      </p:sp>
+    </p:spTree>
+    <p:extLst>
+      <p:ext uri="{BB962C8B-B14F-4D97-AF65-F5344CB8AC3E}">
+        <p14:creationId xmlns:p14="http://schemas.microsoft.com/office/powerpoint/2010/main" val="3953281685"/>
       </p:ext>
     </p:extLst>
   </p:cSld>

--- a/frequencies.pptx
+++ b/frequencies.pptx
@@ -221,7 +221,7 @@
           <a:p>
             <a:fld id="{AB81B2D2-06A2-4596-9391-656CA05E965F}" type="datetimeFigureOut">
               <a:rPr lang="et-EE" smtClean="0"/>
-              <a:t>09.05.2025</a:t>
+              <a:t>09.05.25</a:t>
             </a:fld>
             <a:endParaRPr lang="et-EE"/>
           </a:p>
@@ -635,7 +635,7 @@
           <a:p>
             <a:fld id="{0E412FDE-1CFE-48F6-820F-9C443C301228}" type="datetime1">
               <a:rPr lang="et-EE" smtClean="0"/>
-              <a:t>09.05.2025</a:t>
+              <a:t>09.05.25</a:t>
             </a:fld>
             <a:endParaRPr lang="et-EE" dirty="0"/>
           </a:p>
@@ -819,7 +819,7 @@
           <a:p>
             <a:fld id="{B64C0CFC-214E-42F4-8B82-CC6D451BD70F}" type="datetime1">
               <a:rPr lang="et-EE" smtClean="0"/>
-              <a:t>09.05.2025</a:t>
+              <a:t>09.05.25</a:t>
             </a:fld>
             <a:endParaRPr lang="et-EE"/>
           </a:p>
@@ -1002,7 +1002,7 @@
           <a:p>
             <a:fld id="{5AB58BF1-41C1-47B8-ACAE-F9884B88C63A}" type="datetime1">
               <a:rPr lang="et-EE" smtClean="0"/>
-              <a:t>09.05.2025</a:t>
+              <a:t>09.05.25</a:t>
             </a:fld>
             <a:endParaRPr lang="et-EE"/>
           </a:p>
@@ -1264,7 +1264,7 @@
           <a:p>
             <a:fld id="{E1CF8E31-244F-4A6A-A7D5-704B96C48AAE}" type="datetime1">
               <a:rPr lang="et-EE" smtClean="0"/>
-              <a:t>09.05.2025</a:t>
+              <a:t>09.05.25</a:t>
             </a:fld>
             <a:endParaRPr lang="et-EE" dirty="0"/>
           </a:p>
@@ -1976,7 +1976,7 @@
           <a:p>
             <a:fld id="{CF92296B-3A94-4787-AA7D-8DC0AEE88FD4}" type="datetime1">
               <a:rPr lang="et-EE" smtClean="0"/>
-              <a:t>09.05.2025</a:t>
+              <a:t>09.05.25</a:t>
             </a:fld>
             <a:endParaRPr lang="et-EE"/>
           </a:p>
@@ -2346,7 +2346,7 @@
           <a:p>
             <a:fld id="{185751C1-87AF-4EAC-9696-BB82432B7753}" type="datetime1">
               <a:rPr lang="et-EE" smtClean="0"/>
-              <a:t>09.05.2025</a:t>
+              <a:t>09.05.25</a:t>
             </a:fld>
             <a:endParaRPr lang="et-EE"/>
           </a:p>
@@ -2444,7 +2444,7 @@
           <a:p>
             <a:fld id="{E493E3B0-4572-4FE0-8E55-6746BFAADA96}" type="datetime1">
               <a:rPr lang="et-EE" smtClean="0"/>
-              <a:t>09.05.2025</a:t>
+              <a:t>09.05.25</a:t>
             </a:fld>
             <a:endParaRPr lang="et-EE"/>
           </a:p>
@@ -2589,7 +2589,7 @@
           <a:p>
             <a:fld id="{EE4C4D14-98D7-455C-9D0D-2863E0C0AA0D}" type="datetime1">
               <a:rPr lang="et-EE" smtClean="0"/>
-              <a:t>09.05.2025</a:t>
+              <a:t>09.05.25</a:t>
             </a:fld>
             <a:endParaRPr lang="et-EE"/>
           </a:p>
@@ -2869,7 +2869,7 @@
           <a:p>
             <a:fld id="{94997DBE-8AE5-4A6F-9E25-F62C693D8ED5}" type="datetime1">
               <a:rPr lang="et-EE" smtClean="0"/>
-              <a:t>09.05.2025</a:t>
+              <a:t>09.05.25</a:t>
             </a:fld>
             <a:endParaRPr lang="et-EE"/>
           </a:p>
@@ -3129,7 +3129,7 @@
           <a:p>
             <a:fld id="{DA3B51F9-97BE-4EFF-9934-D6DB8E40FF5E}" type="datetime1">
               <a:rPr lang="et-EE" smtClean="0"/>
-              <a:t>09.05.2025</a:t>
+              <a:t>09.05.25</a:t>
             </a:fld>
             <a:endParaRPr lang="et-EE"/>
           </a:p>
@@ -3346,7 +3346,7 @@
           <a:p>
             <a:fld id="{E7C7EEDD-722C-4F14-9239-A37AD281B51F}" type="datetime1">
               <a:rPr lang="et-EE" smtClean="0"/>
-              <a:t>09.05.2025</a:t>
+              <a:t>09.05.25</a:t>
             </a:fld>
             <a:endParaRPr lang="et-EE" dirty="0"/>
           </a:p>
@@ -3785,7 +3785,7 @@
           <a:p>
             <a:r>
               <a:rPr lang="en-US" dirty="0"/>
-              <a:t>Phase measurement system clocks</a:t>
+              <a:t>Phase Measurement System Clocks</a:t>
             </a:r>
             <a:endParaRPr lang="et-EE" dirty="0"/>
           </a:p>
@@ -3862,7 +3862,7 @@
                 <a:latin typeface="Arial" panose="020B0604020202020204" pitchFamily="34" charset="0"/>
                 <a:cs typeface="Arial" panose="020B0604020202020204" pitchFamily="34" charset="0"/>
               </a:rPr>
-              <a:t>09.05.2025</a:t>
+              <a:t>09.05.25</a:t>
             </a:fld>
             <a:endParaRPr lang="et-EE" dirty="0">
               <a:solidFill>
@@ -4193,7 +4193,7 @@
                 <a:latin typeface="Arial" panose="020B0604020202020204" pitchFamily="34" charset="0"/>
                 <a:cs typeface="Arial" panose="020B0604020202020204" pitchFamily="34" charset="0"/>
               </a:rPr>
-              <a:t>09.05.2025</a:t>
+              <a:t>09.05.25</a:t>
             </a:fld>
             <a:endParaRPr lang="et-EE" dirty="0">
               <a:solidFill>
@@ -4524,7 +4524,7 @@
                 <a:latin typeface="Arial" panose="020B0604020202020204" pitchFamily="34" charset="0"/>
                 <a:cs typeface="Arial" panose="020B0604020202020204" pitchFamily="34" charset="0"/>
               </a:rPr>
-              <a:t>09.05.2025</a:t>
+              <a:t>09.05.25</a:t>
             </a:fld>
             <a:endParaRPr lang="et-EE" dirty="0">
               <a:solidFill>
@@ -4741,7 +4741,7 @@
                 <a:latin typeface="Arial" panose="020B0604020202020204" pitchFamily="34" charset="0"/>
                 <a:cs typeface="Arial" panose="020B0604020202020204" pitchFamily="34" charset="0"/>
               </a:rPr>
-              <a:t>09.05.2025</a:t>
+              <a:t>09.05.25</a:t>
             </a:fld>
             <a:endParaRPr lang="et-EE" dirty="0">
               <a:solidFill>
@@ -4995,7 +4995,7 @@
           <a:p>
             <a:r>
               <a:rPr lang="en-US" dirty="0"/>
-              <a:t>Reference Signal</a:t>
+              <a:t>PT as the Reference Signal</a:t>
             </a:r>
             <a:endParaRPr lang="et-EE" dirty="0"/>
           </a:p>
@@ -5072,7 +5072,7 @@
                 <a:latin typeface="Arial" panose="020B0604020202020204" pitchFamily="34" charset="0"/>
                 <a:cs typeface="Arial" panose="020B0604020202020204" pitchFamily="34" charset="0"/>
               </a:rPr>
-              <a:t>09.05.2025</a:t>
+              <a:t>09.05.25</a:t>
             </a:fld>
             <a:endParaRPr lang="et-EE" dirty="0">
               <a:solidFill>
@@ -5167,8 +5167,8 @@
         </p:nvSpPr>
         <p:spPr>
           <a:xfrm>
-            <a:off x="9622630" y="2505075"/>
-            <a:ext cx="2283620" cy="3970318"/>
+            <a:off x="9348787" y="2062008"/>
+            <a:ext cx="2743200" cy="3754874"/>
           </a:xfrm>
           <a:prstGeom prst="rect">
             <a:avLst/>
@@ -5223,7 +5223,7 @@
                 <a:latin typeface="Arial" panose="020B0604020202020204" pitchFamily="34" charset="0"/>
                 <a:cs typeface="Arial" panose="020B0604020202020204" pitchFamily="34" charset="0"/>
               </a:rPr>
-              <a:t>But the right side PT is noisier than the left hand one.</a:t>
+              <a:t>But the right-side PT is noisier than the left hand one (due to the harness term?).</a:t>
             </a:r>
           </a:p>
           <a:p>
@@ -5444,7 +5444,7 @@
         </p:nvCxnSpPr>
         <p:spPr>
           <a:xfrm>
-            <a:off x="10658475" y="3019425"/>
+            <a:off x="10658475" y="2566939"/>
             <a:ext cx="0" cy="409575"/>
           </a:xfrm>
           <a:prstGeom prst="straightConnector1">
@@ -5488,7 +5488,7 @@
         </p:nvCxnSpPr>
         <p:spPr>
           <a:xfrm>
-            <a:off x="10658475" y="3957638"/>
+            <a:off x="10658475" y="3617540"/>
             <a:ext cx="0" cy="409575"/>
           </a:xfrm>
           <a:prstGeom prst="straightConnector1">
@@ -5532,7 +5532,7 @@
         </p:nvCxnSpPr>
         <p:spPr>
           <a:xfrm>
-            <a:off x="10658475" y="5148263"/>
+            <a:off x="10658475" y="4478964"/>
             <a:ext cx="0" cy="409575"/>
           </a:xfrm>
           <a:prstGeom prst="straightConnector1">
@@ -5619,7 +5619,7 @@
           <a:p>
             <a:r>
               <a:rPr lang="en-US" dirty="0"/>
-              <a:t>Most stringent differential</a:t>
+              <a:t>Most Stringent Differential</a:t>
             </a:r>
             <a:endParaRPr lang="et-EE" dirty="0"/>
           </a:p>
@@ -5696,7 +5696,7 @@
                 <a:latin typeface="Arial" panose="020B0604020202020204" pitchFamily="34" charset="0"/>
                 <a:cs typeface="Arial" panose="020B0604020202020204" pitchFamily="34" charset="0"/>
               </a:rPr>
-              <a:t>09.05.2025</a:t>
+              <a:t>09.05.25</a:t>
             </a:fld>
             <a:endParaRPr lang="et-EE" dirty="0">
               <a:solidFill>
@@ -5917,7 +5917,7 @@
                 <a:latin typeface="Arial" panose="020B0604020202020204" pitchFamily="34" charset="0"/>
                 <a:cs typeface="Arial" panose="020B0604020202020204" pitchFamily="34" charset="0"/>
               </a:rPr>
-              <a:t>09.05.2025</a:t>
+              <a:t>09.05.25</a:t>
             </a:fld>
             <a:endParaRPr lang="et-EE" dirty="0">
               <a:solidFill>
